--- a/Presentaciones/Swell - Optimización de estrategias - R2 (19-02-2021) V2 cambio FIR.pptx
+++ b/Presentaciones/Swell - Optimización de estrategias - R2 (19-02-2021) V2 cambio FIR.pptx
@@ -434,7 +434,7 @@
           <a:p>
             <a:fld id="{58996DD2-7C55-401B-B490-511405823B84}" type="datetimeFigureOut">
               <a:rPr lang="en-US" smtClean="0"/>
-              <a:t>3/15/2021</a:t>
+              <a:t>03/22/2021</a:t>
             </a:fld>
             <a:endParaRPr lang="en-US"/>
           </a:p>
@@ -512,7 +512,7 @@
           <a:p>
             <a:fld id="{5243A351-F6D7-4491-BB2C-32B50DC05CD9}" type="slidenum">
               <a:rPr lang="en-US" smtClean="0"/>
-              <a:t>‹Nº›</a:t>
+              <a:t>‹#›</a:t>
             </a:fld>
             <a:endParaRPr lang="en-US"/>
           </a:p>
@@ -2012,7 +2012,7 @@
             </a:pPr>
             <a:fld id="{00000000-1234-1234-1234-123412341234}" type="slidenum">
               <a:rPr lang="en"/>
-              <a:t>‹Nº›</a:t>
+              <a:t>‹#›</a:t>
             </a:fld>
             <a:endParaRPr/>
           </a:p>
@@ -2874,7 +2874,7 @@
             </a:pPr>
             <a:fld id="{00000000-1234-1234-1234-123412341234}" type="slidenum">
               <a:rPr lang="en"/>
-              <a:t>‹Nº›</a:t>
+              <a:t>‹#›</a:t>
             </a:fld>
             <a:endParaRPr/>
           </a:p>
@@ -6094,7 +6094,7 @@
             </a:pPr>
             <a:fld id="{00000000-1234-1234-1234-123412341234}" type="slidenum">
               <a:rPr lang="en"/>
-              <a:t>‹Nº›</a:t>
+              <a:t>‹#›</a:t>
             </a:fld>
             <a:endParaRPr/>
           </a:p>
@@ -11130,7 +11130,7 @@
           <p:nvPr>
             <p:extLst>
               <p:ext uri="{D42A27DB-BD31-4B8C-83A1-F6EECF244321}">
-                <p14:modId xmlns:p14="http://schemas.microsoft.com/office/powerpoint/2010/main" val="2725295734"/>
+                <p14:modId xmlns:p14="http://schemas.microsoft.com/office/powerpoint/2010/main" val="1345173897"/>
               </p:ext>
             </p:extLst>
           </p:nvPr>
@@ -11503,11 +11503,25 @@
                     <a:p>
                       <a:pPr algn="ctr"/>
                       <a:r>
-                        <a:rPr lang="es-CO" sz="900" noProof="0" dirty="0">
+                        <a:rPr kumimoji="0" lang="es-CO" sz="900" b="0" i="0" u="none" strike="noStrike" kern="0" cap="none" spc="0" normalizeH="0" baseline="0" noProof="0" dirty="0">
+                          <a:ln>
+                            <a:noFill/>
+                          </a:ln>
+                          <a:solidFill>
+                            <a:srgbClr val="000000"/>
+                          </a:solidFill>
+                          <a:effectLst/>
+                          <a:uLnTx/>
+                          <a:uFillTx/>
                           <a:latin typeface="Montserrat Medium" panose="020B0604020202020204" charset="0"/>
+                          <a:cs typeface="Arial"/>
+                          <a:sym typeface="Arial"/>
                         </a:rPr>
-                        <a:t>CLOSE</a:t>
+                        <a:t>FIX</a:t>
                       </a:r>
+                      <a:endParaRPr lang="es-CO" sz="900" noProof="0" dirty="0">
+                        <a:latin typeface="Montserrat Medium" panose="020B0604020202020204" charset="0"/>
+                      </a:endParaRPr>
                     </a:p>
                   </a:txBody>
                   <a:tcPr/>
@@ -11535,10 +11549,21 @@
                     <a:p>
                       <a:pPr algn="ctr"/>
                       <a:r>
-                        <a:rPr lang="es-CO" sz="900" noProof="0" dirty="0" err="1">
+                        <a:rPr kumimoji="0" lang="es-CO" sz="900" b="0" i="0" u="none" strike="noStrike" kern="0" cap="none" spc="0" normalizeH="0" baseline="0" noProof="0">
+                          <a:ln>
+                            <a:noFill/>
+                          </a:ln>
+                          <a:solidFill>
+                            <a:srgbClr val="000000"/>
+                          </a:solidFill>
+                          <a:effectLst/>
+                          <a:uLnTx/>
+                          <a:uFillTx/>
                           <a:latin typeface="Montserrat Medium" panose="020B0604020202020204" charset="0"/>
+                          <a:cs typeface="Arial"/>
+                          <a:sym typeface="Arial"/>
                         </a:rPr>
-                        <a:t>max</a:t>
+                        <a:t>FDX</a:t>
                       </a:r>
                       <a:endParaRPr lang="es-CO" sz="900" noProof="0" dirty="0">
                         <a:latin typeface="Montserrat Medium" panose="020B0604020202020204" charset="0"/>
@@ -11554,11 +11579,25 @@
                     <a:p>
                       <a:pPr algn="ctr"/>
                       <a:r>
-                        <a:rPr lang="es-CO" sz="900" noProof="0" dirty="0">
+                        <a:rPr kumimoji="0" lang="es-CO" sz="900" b="0" i="0" u="none" strike="noStrike" kern="0" cap="none" spc="0" normalizeH="0" baseline="0" noProof="0">
+                          <a:ln>
+                            <a:noFill/>
+                          </a:ln>
+                          <a:solidFill>
+                            <a:srgbClr val="000000"/>
+                          </a:solidFill>
+                          <a:effectLst/>
+                          <a:uLnTx/>
+                          <a:uFillTx/>
                           <a:latin typeface="Montserrat Medium" panose="020B0604020202020204" charset="0"/>
+                          <a:cs typeface="Arial"/>
+                          <a:sym typeface="Arial"/>
                         </a:rPr>
-                        <a:t>HIGH</a:t>
+                        <a:t>FDX</a:t>
                       </a:r>
+                      <a:endParaRPr lang="es-CO" sz="900" noProof="0" dirty="0">
+                        <a:latin typeface="Montserrat Medium" panose="020B0604020202020204" charset="0"/>
+                      </a:endParaRPr>
                     </a:p>
                   </a:txBody>
                   <a:tcPr/>
@@ -11586,11 +11625,25 @@
                     <a:p>
                       <a:pPr algn="ctr"/>
                       <a:r>
-                        <a:rPr lang="es-CO" sz="900" noProof="0" dirty="0">
+                        <a:rPr kumimoji="0" lang="es-CO" sz="900" b="0" i="0" u="none" strike="noStrike" kern="0" cap="none" spc="0" normalizeH="0" baseline="0" noProof="0" dirty="0">
+                          <a:ln>
+                            <a:noFill/>
+                          </a:ln>
+                          <a:solidFill>
+                            <a:srgbClr val="000000"/>
+                          </a:solidFill>
+                          <a:effectLst/>
+                          <a:uLnTx/>
+                          <a:uFillTx/>
                           <a:latin typeface="Montserrat Medium" panose="020B0604020202020204" charset="0"/>
+                          <a:cs typeface="Arial"/>
+                          <a:sym typeface="Arial"/>
                         </a:rPr>
-                        <a:t>CLOSE</a:t>
+                        <a:t>FIX</a:t>
                       </a:r>
+                      <a:endParaRPr lang="es-CO" sz="900" noProof="0" dirty="0">
+                        <a:latin typeface="Montserrat Medium" panose="020B0604020202020204" charset="0"/>
+                      </a:endParaRPr>
                     </a:p>
                   </a:txBody>
                   <a:tcPr/>
@@ -11618,11 +11671,25 @@
                     <a:p>
                       <a:pPr algn="ctr"/>
                       <a:r>
-                        <a:rPr lang="es-CO" sz="900" noProof="0" dirty="0">
+                        <a:rPr kumimoji="0" lang="es-CO" sz="900" b="0" i="0" u="none" strike="noStrike" kern="0" cap="none" spc="0" normalizeH="0" baseline="0" noProof="0">
+                          <a:ln>
+                            <a:noFill/>
+                          </a:ln>
+                          <a:solidFill>
+                            <a:srgbClr val="000000"/>
+                          </a:solidFill>
+                          <a:effectLst/>
+                          <a:uLnTx/>
+                          <a:uFillTx/>
                           <a:latin typeface="Montserrat Medium" panose="020B0604020202020204" charset="0"/>
+                          <a:cs typeface="Arial"/>
+                          <a:sym typeface="Arial"/>
                         </a:rPr>
-                        <a:t>min</a:t>
+                        <a:t>FDX</a:t>
                       </a:r>
+                      <a:endParaRPr lang="es-CO" sz="900" noProof="0" dirty="0">
+                        <a:latin typeface="Montserrat Medium" panose="020B0604020202020204" charset="0"/>
+                      </a:endParaRPr>
                     </a:p>
                   </a:txBody>
                   <a:tcPr/>
@@ -11634,11 +11701,25 @@
                     <a:p>
                       <a:pPr algn="ctr"/>
                       <a:r>
-                        <a:rPr lang="es-CO" sz="900" noProof="0" dirty="0">
+                        <a:rPr kumimoji="0" lang="es-CO" sz="900" b="0" i="0" u="none" strike="noStrike" kern="0" cap="none" spc="0" normalizeH="0" baseline="0" noProof="0">
+                          <a:ln>
+                            <a:noFill/>
+                          </a:ln>
+                          <a:solidFill>
+                            <a:srgbClr val="000000"/>
+                          </a:solidFill>
+                          <a:effectLst/>
+                          <a:uLnTx/>
+                          <a:uFillTx/>
                           <a:latin typeface="Montserrat Medium" panose="020B0604020202020204" charset="0"/>
+                          <a:cs typeface="Arial"/>
+                          <a:sym typeface="Arial"/>
                         </a:rPr>
-                        <a:t>LOW</a:t>
+                        <a:t>FDX</a:t>
                       </a:r>
+                      <a:endParaRPr lang="es-CO" sz="900" noProof="0" dirty="0">
+                        <a:latin typeface="Montserrat Medium" panose="020B0604020202020204" charset="0"/>
+                      </a:endParaRPr>
                     </a:p>
                   </a:txBody>
                   <a:tcPr/>
